--- a/세미나/방학_계획_김형래_v2.pptx
+++ b/세미나/방학_계획_김형래_v2.pptx
@@ -5,10 +5,10 @@
     <p:sldMasterId id="2147483684" r:id="rId1"/>
   </p:sldMasterIdLst>
   <p:notesMasterIdLst>
-    <p:notesMasterId r:id="rId7"/>
+    <p:notesMasterId r:id="rId8"/>
   </p:notesMasterIdLst>
   <p:handoutMasterIdLst>
-    <p:handoutMasterId r:id="rId8"/>
+    <p:handoutMasterId r:id="rId9"/>
   </p:handoutMasterIdLst>
   <p:sldIdLst>
     <p:sldId id="256" r:id="rId2"/>
@@ -16,6 +16,7 @@
     <p:sldId id="368" r:id="rId4"/>
     <p:sldId id="420" r:id="rId5"/>
     <p:sldId id="355" r:id="rId6"/>
+    <p:sldId id="421" r:id="rId7"/>
   </p:sldIdLst>
   <p:sldSz cx="9144000" cy="6858000" type="screen4x3"/>
   <p:notesSz cx="6797675" cy="9926638"/>
@@ -124,6 +125,7 @@
             <p14:sldId id="368"/>
             <p14:sldId id="420"/>
             <p14:sldId id="355"/>
+            <p14:sldId id="421"/>
           </p14:sldIdLst>
         </p14:section>
       </p14:sectionLst>
@@ -257,7 +259,7 @@
             <a:fld id="{06B3010E-A372-4AD6-9604-74B08FADCE6E}" type="datetimeFigureOut">
               <a:rPr lang="ko-KR" altLang="en-US" smtClean="0"/>
               <a:pPr/>
-              <a:t>2018-12-27</a:t>
+              <a:t>2019-03-10</a:t>
             </a:fld>
             <a:endParaRPr lang="ko-KR" altLang="en-US" dirty="0"/>
           </a:p>
@@ -838,7 +840,7 @@
           <a:p>
             <a:fld id="{F5843DA5-2861-4D49-A0BB-676E00398919}" type="datetimeFigureOut">
               <a:rPr lang="ko-KR" altLang="en-US" smtClean="0"/>
-              <a:t>2018-12-27</a:t>
+              <a:t>2019-03-10</a:t>
             </a:fld>
             <a:endParaRPr lang="ko-KR" altLang="en-US"/>
           </a:p>
@@ -1138,7 +1140,7 @@
             <a:fld id="{1A74E5E4-A585-4486-9774-7B8502B6BACE}" type="datetimeFigureOut">
               <a:rPr lang="ko-KR" altLang="en-US" smtClean="0"/>
               <a:pPr/>
-              <a:t>2018-12-27</a:t>
+              <a:t>2019-03-10</a:t>
             </a:fld>
             <a:endParaRPr lang="ko-KR" altLang="en-US" dirty="0"/>
           </a:p>
@@ -1318,7 +1320,7 @@
             <a:fld id="{1A74E5E4-A585-4486-9774-7B8502B6BACE}" type="datetimeFigureOut">
               <a:rPr lang="ko-KR" altLang="en-US" smtClean="0"/>
               <a:pPr/>
-              <a:t>2018-12-27</a:t>
+              <a:t>2019-03-10</a:t>
             </a:fld>
             <a:endParaRPr lang="ko-KR" altLang="en-US" dirty="0"/>
           </a:p>
@@ -1415,7 +1417,7 @@
             <a:fld id="{1A74E5E4-A585-4486-9774-7B8502B6BACE}" type="datetimeFigureOut">
               <a:rPr lang="ko-KR" altLang="en-US" smtClean="0"/>
               <a:pPr/>
-              <a:t>2018-12-27</a:t>
+              <a:t>2019-03-10</a:t>
             </a:fld>
             <a:endParaRPr lang="ko-KR" altLang="en-US" dirty="0"/>
           </a:p>
@@ -1686,7 +1688,7 @@
             <a:fld id="{1A74E5E4-A585-4486-9774-7B8502B6BACE}" type="datetimeFigureOut">
               <a:rPr lang="ko-KR" altLang="en-US" smtClean="0"/>
               <a:pPr/>
-              <a:t>2018-12-27</a:t>
+              <a:t>2019-03-10</a:t>
             </a:fld>
             <a:endParaRPr lang="ko-KR" altLang="en-US" dirty="0"/>
           </a:p>
@@ -2109,7 +2111,7 @@
             <a:fld id="{1A74E5E4-A585-4486-9774-7B8502B6BACE}" type="datetimeFigureOut">
               <a:rPr lang="ko-KR" altLang="en-US" smtClean="0"/>
               <a:pPr/>
-              <a:t>2018-12-27</a:t>
+              <a:t>2019-03-10</a:t>
             </a:fld>
             <a:endParaRPr lang="ko-KR" altLang="en-US" dirty="0"/>
           </a:p>
@@ -2425,7 +2427,7 @@
             <a:fld id="{1A74E5E4-A585-4486-9774-7B8502B6BACE}" type="datetimeFigureOut">
               <a:rPr lang="ko-KR" altLang="en-US" smtClean="0"/>
               <a:pPr/>
-              <a:t>2018-12-27</a:t>
+              <a:t>2019-03-10</a:t>
             </a:fld>
             <a:endParaRPr lang="ko-KR" altLang="en-US" dirty="0"/>
           </a:p>
@@ -2867,7 +2869,7 @@
             <a:fld id="{1A74E5E4-A585-4486-9774-7B8502B6BACE}" type="datetimeFigureOut">
               <a:rPr lang="ko-KR" altLang="en-US" smtClean="0"/>
               <a:pPr/>
-              <a:t>2018-12-27</a:t>
+              <a:t>2019-03-10</a:t>
             </a:fld>
             <a:endParaRPr lang="ko-KR" altLang="en-US" dirty="0"/>
           </a:p>
@@ -3302,7 +3304,7 @@
             <a:fld id="{1A74E5E4-A585-4486-9774-7B8502B6BACE}" type="datetimeFigureOut">
               <a:rPr lang="ko-KR" altLang="en-US" smtClean="0"/>
               <a:pPr/>
-              <a:t>2018-12-27</a:t>
+              <a:t>2019-03-10</a:t>
             </a:fld>
             <a:endParaRPr lang="ko-KR" altLang="en-US" dirty="0"/>
           </a:p>
@@ -3490,7 +3492,7 @@
             <a:fld id="{1A74E5E4-A585-4486-9774-7B8502B6BACE}" type="datetimeFigureOut">
               <a:rPr lang="ko-KR" altLang="en-US" smtClean="0"/>
               <a:pPr/>
-              <a:t>2018-12-27</a:t>
+              <a:t>2019-03-10</a:t>
             </a:fld>
             <a:endParaRPr lang="ko-KR" altLang="en-US" dirty="0"/>
           </a:p>
@@ -3656,7 +3658,7 @@
             <a:fld id="{1A74E5E4-A585-4486-9774-7B8502B6BACE}" type="datetimeFigureOut">
               <a:rPr lang="ko-KR" altLang="en-US" smtClean="0"/>
               <a:pPr/>
-              <a:t>2018-12-27</a:t>
+              <a:t>2019-03-10</a:t>
             </a:fld>
             <a:endParaRPr lang="ko-KR" altLang="en-US" dirty="0"/>
           </a:p>
@@ -4002,7 +4004,7 @@
             <a:fld id="{1A74E5E4-A585-4486-9774-7B8502B6BACE}" type="datetimeFigureOut">
               <a:rPr lang="ko-KR" altLang="en-US" smtClean="0"/>
               <a:pPr/>
-              <a:t>2018-12-27</a:t>
+              <a:t>2019-03-10</a:t>
             </a:fld>
             <a:endParaRPr lang="ko-KR" altLang="en-US" dirty="0"/>
           </a:p>
@@ -4325,7 +4327,7 @@
             <a:fld id="{1A74E5E4-A585-4486-9774-7B8502B6BACE}" type="datetimeFigureOut">
               <a:rPr lang="ko-KR" altLang="en-US" smtClean="0"/>
               <a:pPr/>
-              <a:t>2018-12-27</a:t>
+              <a:t>2019-03-10</a:t>
             </a:fld>
             <a:endParaRPr lang="ko-KR" altLang="en-US" dirty="0"/>
           </a:p>
@@ -4538,7 +4540,7 @@
             <a:fld id="{1A74E5E4-A585-4486-9774-7B8502B6BACE}" type="datetimeFigureOut">
               <a:rPr lang="ko-KR" altLang="en-US" smtClean="0"/>
               <a:pPr/>
-              <a:t>2018-12-27</a:t>
+              <a:t>2019-03-10</a:t>
             </a:fld>
             <a:endParaRPr lang="ko-KR" altLang="en-US" dirty="0"/>
           </a:p>
@@ -5673,19 +5675,7 @@
               <a:rPr lang="en-US" altLang="ko-KR" sz="1100" b="1" dirty="0">
                 <a:latin typeface="+mj-lt"/>
               </a:rPr>
-              <a:t>18</a:t>
-            </a:r>
-            <a:r>
-              <a:rPr lang="ko-KR" altLang="en-US" sz="1100" b="1" dirty="0">
-                <a:latin typeface="+mj-lt"/>
-              </a:rPr>
-              <a:t> </a:t>
-            </a:r>
-            <a:r>
-              <a:rPr lang="en-US" altLang="ko-KR" sz="1100" b="1" dirty="0">
-                <a:latin typeface="+mj-lt"/>
-              </a:rPr>
-              <a:t>1</a:t>
+              <a:t>3</a:t>
             </a:r>
             <a:r>
               <a:rPr lang="ko-KR" altLang="en-US" sz="1100" b="1" dirty="0">
@@ -6352,7 +6342,7 @@
               <a:rPr lang="en-US" altLang="ko-KR" sz="1100" b="1" dirty="0">
                 <a:latin typeface="+mj-lt"/>
               </a:rPr>
-              <a:t>2</a:t>
+              <a:t>4</a:t>
             </a:r>
             <a:r>
               <a:rPr lang="ko-KR" altLang="en-US" sz="1100" b="1" dirty="0">
@@ -6542,7 +6532,7 @@
               <a:rPr lang="en-US" altLang="ko-KR" sz="1100" dirty="0">
                 <a:latin typeface="+mj-lt"/>
               </a:rPr>
-              <a:t>1</a:t>
+              <a:t>5</a:t>
             </a:r>
             <a:r>
               <a:rPr lang="ko-KR" altLang="en-US" sz="1100" dirty="0">
@@ -6580,7 +6570,7 @@
               <a:rPr lang="en-US" altLang="ko-KR" sz="1100" dirty="0">
                 <a:latin typeface="+mj-lt"/>
               </a:rPr>
-              <a:t>2</a:t>
+              <a:t>6</a:t>
             </a:r>
             <a:r>
               <a:rPr lang="ko-KR" altLang="en-US" sz="1100" dirty="0">
@@ -6618,7 +6608,7 @@
               <a:rPr lang="en-US" altLang="ko-KR" sz="1100" dirty="0">
                 <a:latin typeface="+mj-lt"/>
               </a:rPr>
-              <a:t>3</a:t>
+              <a:t>7</a:t>
             </a:r>
             <a:r>
               <a:rPr lang="ko-KR" altLang="en-US" sz="1100" dirty="0">
@@ -6656,7 +6646,7 @@
               <a:rPr lang="en-US" altLang="ko-KR" sz="1100" dirty="0">
                 <a:latin typeface="+mj-lt"/>
               </a:rPr>
-              <a:t>4</a:t>
+              <a:t>8</a:t>
             </a:r>
             <a:r>
               <a:rPr lang="ko-KR" altLang="en-US" sz="1100" dirty="0">
@@ -6694,7 +6684,7 @@
               <a:rPr lang="en-US" altLang="ko-KR" sz="1100" dirty="0">
                 <a:latin typeface="+mj-lt"/>
               </a:rPr>
-              <a:t>1</a:t>
+              <a:t>9</a:t>
             </a:r>
             <a:r>
               <a:rPr lang="ko-KR" altLang="en-US" sz="1100" dirty="0">
@@ -6732,7 +6722,7 @@
               <a:rPr lang="en-US" altLang="ko-KR" sz="1100" dirty="0">
                 <a:latin typeface="+mj-lt"/>
               </a:rPr>
-              <a:t>2</a:t>
+              <a:t>10</a:t>
             </a:r>
             <a:r>
               <a:rPr lang="ko-KR" altLang="en-US" sz="1100" dirty="0">
@@ -6770,7 +6760,7 @@
               <a:rPr lang="en-US" altLang="ko-KR" sz="1100" dirty="0">
                 <a:latin typeface="+mj-lt"/>
               </a:rPr>
-              <a:t>3</a:t>
+              <a:t>11</a:t>
             </a:r>
             <a:r>
               <a:rPr lang="ko-KR" altLang="en-US" sz="1100" dirty="0">
@@ -6847,7 +6837,7 @@
               <a:rPr lang="en-US" altLang="ko-KR" sz="1100" dirty="0">
                 <a:latin typeface="+mj-lt"/>
               </a:rPr>
-              <a:t>4</a:t>
+              <a:t>12</a:t>
             </a:r>
             <a:r>
               <a:rPr lang="ko-KR" altLang="en-US" sz="1100" dirty="0">
@@ -6885,7 +6875,7 @@
               <a:rPr lang="en-US" altLang="ko-KR" sz="1100" b="1" dirty="0">
                 <a:latin typeface="+mj-lt"/>
               </a:rPr>
-              <a:t> 3</a:t>
+              <a:t>5</a:t>
             </a:r>
             <a:r>
               <a:rPr lang="ko-KR" altLang="en-US" sz="1100" b="1" dirty="0">
@@ -6948,14 +6938,14 @@
       </p:sp>
       <p:sp>
         <p:nvSpPr>
-          <p:cNvPr id="47" name="오른쪽 화살표 46"/>
+          <p:cNvPr id="42" name="오른쪽 화살표 41"/>
           <p:cNvSpPr/>
           <p:nvPr/>
         </p:nvSpPr>
         <p:spPr>
           <a:xfrm>
-            <a:off x="192524" y="2027247"/>
-            <a:ext cx="4768135" cy="360040"/>
+            <a:off x="187500" y="1678772"/>
+            <a:ext cx="8755939" cy="1142377"/>
           </a:xfrm>
           <a:prstGeom prst="rightArrow">
             <a:avLst/>
@@ -6989,123 +6979,60 @@
           <a:p>
             <a:pPr algn="ctr"/>
             <a:r>
-              <a:rPr lang="ko-KR" altLang="en-US" sz="900" b="1" dirty="0">
+              <a:rPr lang="en-US" altLang="ko-KR" sz="2400" b="1" dirty="0">
                 <a:solidFill>
                   <a:schemeClr val="tx1"/>
                 </a:solidFill>
                 <a:latin typeface="+mj-lt"/>
               </a:rPr>
-              <a:t>밑바닥 </a:t>
-            </a:r>
-            <a:r>
-              <a:rPr lang="ko-KR" altLang="en-US" sz="900" b="1" dirty="0" err="1">
+              <a:t>LSTM</a:t>
+            </a:r>
+            <a:r>
+              <a:rPr lang="ko-KR" altLang="en-US" sz="2400" b="1" dirty="0">
                 <a:solidFill>
                   <a:schemeClr val="tx1"/>
                 </a:solidFill>
                 <a:latin typeface="+mj-lt"/>
               </a:rPr>
-              <a:t>부터</a:t>
-            </a:r>
-            <a:r>
-              <a:rPr lang="ko-KR" altLang="en-US" sz="900" b="1" dirty="0">
+              <a:t> 이해 및 </a:t>
+            </a:r>
+            <a:r>
+              <a:rPr lang="en-US" altLang="ko-KR" sz="2400" b="1" dirty="0" err="1">
                 <a:solidFill>
                   <a:schemeClr val="tx1"/>
                 </a:solidFill>
                 <a:latin typeface="+mj-lt"/>
               </a:rPr>
-              <a:t> 시작하는 </a:t>
-            </a:r>
-            <a:r>
-              <a:rPr lang="ko-KR" altLang="en-US" sz="900" b="1" err="1">
+              <a:t>Tensorflow</a:t>
+            </a:r>
+            <a:r>
+              <a:rPr lang="ko-KR" altLang="en-US" sz="2400" b="1" dirty="0">
                 <a:solidFill>
                   <a:schemeClr val="tx1"/>
                 </a:solidFill>
                 <a:latin typeface="+mj-lt"/>
               </a:rPr>
-              <a:t>딥러닝</a:t>
-            </a:r>
-            <a:r>
-              <a:rPr lang="ko-KR" altLang="en-US" sz="900" b="1">
-                <a:solidFill>
-                  <a:schemeClr val="tx1"/>
-                </a:solidFill>
-                <a:latin typeface="+mj-lt"/>
-              </a:rPr>
-              <a:t> </a:t>
-            </a:r>
-            <a:r>
-              <a:rPr lang="en-US" altLang="ko-KR" sz="900" b="1" dirty="0">
-                <a:solidFill>
-                  <a:schemeClr val="tx1"/>
-                </a:solidFill>
-                <a:latin typeface="+mj-lt"/>
-              </a:rPr>
-              <a:t>(</a:t>
-            </a:r>
-            <a:r>
-              <a:rPr lang="ko-KR" altLang="en-US" sz="900" b="1" err="1">
-                <a:solidFill>
-                  <a:schemeClr val="tx1"/>
-                </a:solidFill>
-                <a:latin typeface="+mj-lt"/>
-              </a:rPr>
-              <a:t>딥러닝</a:t>
-            </a:r>
-            <a:r>
-              <a:rPr lang="ko-KR" altLang="en-US" sz="900" b="1">
-                <a:solidFill>
-                  <a:schemeClr val="tx1"/>
-                </a:solidFill>
-                <a:latin typeface="+mj-lt"/>
-              </a:rPr>
-              <a:t> 개념</a:t>
-            </a:r>
-            <a:r>
-              <a:rPr lang="en-US" altLang="ko-KR" sz="900" b="1">
-                <a:solidFill>
-                  <a:schemeClr val="tx1"/>
-                </a:solidFill>
-                <a:latin typeface="+mj-lt"/>
-              </a:rPr>
-              <a:t>, </a:t>
-            </a:r>
-            <a:r>
-              <a:rPr lang="ko-KR" altLang="en-US" sz="900" b="1">
-                <a:solidFill>
-                  <a:schemeClr val="tx1"/>
-                </a:solidFill>
-                <a:latin typeface="+mj-lt"/>
-              </a:rPr>
-              <a:t>기초</a:t>
-            </a:r>
-            <a:r>
-              <a:rPr lang="en-US" altLang="ko-KR" sz="900" b="1" dirty="0">
-                <a:solidFill>
-                  <a:schemeClr val="tx1"/>
-                </a:solidFill>
-                <a:latin typeface="+mj-lt"/>
-              </a:rPr>
-              <a:t>)</a:t>
-            </a:r>
-            <a:endParaRPr lang="ko-KR" altLang="en-US" sz="900" b="1" dirty="0">
-              <a:solidFill>
-                <a:schemeClr val="tx1"/>
-              </a:solidFill>
-              <a:latin typeface="+mj-lt"/>
-            </a:endParaRPr>
-          </a:p>
-        </p:txBody>
-      </p:sp>
-      <p:sp>
-        <p:nvSpPr>
-          <p:cNvPr id="42" name="오른쪽 화살표 41"/>
+              <a:t> 모델 적용</a:t>
+            </a:r>
+          </a:p>
+        </p:txBody>
+      </p:sp>
+      <p:sp>
+        <p:nvSpPr>
+          <p:cNvPr id="54" name="오른쪽 화살표 41">
+            <a:extLst>
+              <a:ext uri="{FF2B5EF4-FFF2-40B4-BE49-F238E27FC236}">
+                <a16:creationId xmlns:a16="http://schemas.microsoft.com/office/drawing/2014/main" id="{41EA7D72-BD9A-47DD-96C9-2A8F69DF0D93}"/>
+              </a:ext>
+            </a:extLst>
+          </p:cNvPr>
           <p:cNvSpPr/>
           <p:nvPr/>
         </p:nvSpPr>
         <p:spPr>
           <a:xfrm>
-            <a:off x="205695" y="3107725"/>
-            <a:ext cx="8755939" cy="360040"/>
+            <a:off x="175847" y="2936553"/>
+            <a:ext cx="8755939" cy="1142377"/>
           </a:xfrm>
           <a:prstGeom prst="rightArrow">
             <a:avLst/>
@@ -7139,87 +7066,87 @@
           <a:p>
             <a:pPr algn="ctr"/>
             <a:r>
-              <a:rPr lang="ko-KR" altLang="en-US" sz="900" b="1" dirty="0">
+              <a:rPr lang="en-US" altLang="ko-KR" sz="2400" b="1" dirty="0" err="1">
                 <a:solidFill>
                   <a:schemeClr val="tx1"/>
                 </a:solidFill>
                 <a:latin typeface="+mj-lt"/>
               </a:rPr>
-              <a:t>데이터 분석을 위한 </a:t>
-            </a:r>
-            <a:r>
-              <a:rPr lang="ko-KR" altLang="en-US" sz="900" b="1" dirty="0" err="1">
+              <a:t>Tensorflow</a:t>
+            </a:r>
+            <a:r>
+              <a:rPr lang="en-US" altLang="ko-KR" sz="2400" b="1" dirty="0">
                 <a:solidFill>
                   <a:schemeClr val="tx1"/>
                 </a:solidFill>
                 <a:latin typeface="+mj-lt"/>
               </a:rPr>
-              <a:t>파이썬</a:t>
-            </a:r>
-            <a:r>
-              <a:rPr lang="ko-KR" altLang="en-US" sz="900" b="1" dirty="0">
+              <a:t> </a:t>
+            </a:r>
+            <a:r>
+              <a:rPr lang="ko-KR" altLang="en-US" sz="2400" b="1" dirty="0">
                 <a:solidFill>
                   <a:schemeClr val="tx1"/>
                 </a:solidFill>
                 <a:latin typeface="+mj-lt"/>
               </a:rPr>
-              <a:t> 철저 입문 </a:t>
-            </a:r>
-            <a:r>
-              <a:rPr lang="en-US" altLang="ko-KR" sz="900" b="1" dirty="0">
+              <a:t>책 </a:t>
+            </a:r>
+            <a:r>
+              <a:rPr lang="en-US" altLang="ko-KR" sz="2400" b="1" dirty="0">
                 <a:solidFill>
                   <a:schemeClr val="tx1"/>
                 </a:solidFill>
                 <a:latin typeface="+mj-lt"/>
               </a:rPr>
-              <a:t>(</a:t>
-            </a:r>
-            <a:r>
-              <a:rPr lang="ko-KR" altLang="en-US" sz="900" b="1" dirty="0" err="1">
+              <a:t>/ </a:t>
+            </a:r>
+            <a:r>
+              <a:rPr lang="en-US" altLang="ko-KR" sz="2400" b="1" dirty="0" err="1">
                 <a:solidFill>
                   <a:schemeClr val="tx1"/>
                 </a:solidFill>
                 <a:latin typeface="+mj-lt"/>
               </a:rPr>
-              <a:t>파이썬</a:t>
-            </a:r>
-            <a:r>
-              <a:rPr lang="ko-KR" altLang="en-US" sz="900" b="1" dirty="0">
+              <a:t>Youtube</a:t>
+            </a:r>
+            <a:r>
+              <a:rPr lang="en-US" altLang="ko-KR" sz="2400" b="1" dirty="0">
                 <a:solidFill>
                   <a:schemeClr val="tx1"/>
                 </a:solidFill>
                 <a:latin typeface="+mj-lt"/>
               </a:rPr>
-              <a:t> 기초</a:t>
-            </a:r>
-            <a:r>
-              <a:rPr lang="en-US" altLang="ko-KR" sz="900" b="1" dirty="0">
+              <a:t> </a:t>
+            </a:r>
+            <a:r>
+              <a:rPr lang="ko-KR" altLang="en-US" sz="2400" b="1" dirty="0">
                 <a:solidFill>
                   <a:schemeClr val="tx1"/>
                 </a:solidFill>
                 <a:latin typeface="+mj-lt"/>
               </a:rPr>
-              <a:t>)</a:t>
-            </a:r>
-            <a:endParaRPr lang="ko-KR" altLang="en-US" sz="900" b="1" dirty="0">
-              <a:solidFill>
-                <a:schemeClr val="tx1"/>
-              </a:solidFill>
-              <a:latin typeface="+mj-lt"/>
-            </a:endParaRPr>
-          </a:p>
-        </p:txBody>
-      </p:sp>
-      <p:sp>
-        <p:nvSpPr>
-          <p:cNvPr id="40" name="오른쪽 화살표 39"/>
+              <a:t>공부</a:t>
+            </a:r>
+          </a:p>
+        </p:txBody>
+      </p:sp>
+      <p:sp>
+        <p:nvSpPr>
+          <p:cNvPr id="55" name="오른쪽 화살표 41">
+            <a:extLst>
+              <a:ext uri="{FF2B5EF4-FFF2-40B4-BE49-F238E27FC236}">
+                <a16:creationId xmlns:a16="http://schemas.microsoft.com/office/drawing/2014/main" id="{EA6BF63C-25D2-406B-95BF-172D015DD87A}"/>
+              </a:ext>
+            </a:extLst>
+          </p:cNvPr>
           <p:cNvSpPr/>
           <p:nvPr/>
         </p:nvSpPr>
         <p:spPr>
           <a:xfrm>
-            <a:off x="187501" y="3794485"/>
-            <a:ext cx="8755939" cy="360040"/>
+            <a:off x="194029" y="4348683"/>
+            <a:ext cx="8749409" cy="1142377"/>
           </a:xfrm>
           <a:prstGeom prst="rightArrow">
             <a:avLst/>
@@ -7253,518 +7180,22 @@
           <a:p>
             <a:pPr algn="ctr"/>
             <a:r>
-              <a:rPr lang="en-US" altLang="ko-KR" sz="900" b="1" dirty="0">
+              <a:rPr lang="ko-KR" altLang="en-US" sz="2400" b="1" dirty="0" err="1">
                 <a:solidFill>
                   <a:schemeClr val="tx1"/>
                 </a:solidFill>
                 <a:latin typeface="+mj-lt"/>
               </a:rPr>
-              <a:t>Kaggle Tutorial (</a:t>
-            </a:r>
-            <a:r>
-              <a:rPr lang="ko-KR" altLang="en-US" sz="900" b="1" dirty="0">
+              <a:t>머신러닝</a:t>
+            </a:r>
+            <a:r>
+              <a:rPr lang="ko-KR" altLang="en-US" sz="2400" b="1" dirty="0">
                 <a:solidFill>
                   <a:schemeClr val="tx1"/>
                 </a:solidFill>
                 <a:latin typeface="+mj-lt"/>
               </a:rPr>
-              <a:t>영어 공부 중심</a:t>
-            </a:r>
-            <a:r>
-              <a:rPr lang="en-US" altLang="ko-KR" sz="900" b="1" dirty="0">
-                <a:solidFill>
-                  <a:schemeClr val="tx1"/>
-                </a:solidFill>
-                <a:latin typeface="+mj-lt"/>
-              </a:rPr>
-              <a:t>)</a:t>
-            </a:r>
-            <a:endParaRPr lang="ko-KR" altLang="en-US" sz="900" b="1" dirty="0">
-              <a:solidFill>
-                <a:schemeClr val="tx1"/>
-              </a:solidFill>
-              <a:latin typeface="+mj-lt"/>
-            </a:endParaRPr>
-          </a:p>
-        </p:txBody>
-      </p:sp>
-      <p:sp>
-        <p:nvSpPr>
-          <p:cNvPr id="43" name="오른쪽 화살표 46">
-            <a:extLst>
-              <a:ext uri="{FF2B5EF4-FFF2-40B4-BE49-F238E27FC236}">
-                <a16:creationId xmlns:a16="http://schemas.microsoft.com/office/drawing/2014/main" id="{813CF4BB-ACBC-4952-AE3E-7380CBCFB32F}"/>
-              </a:ext>
-            </a:extLst>
-          </p:cNvPr>
-          <p:cNvSpPr/>
-          <p:nvPr/>
-        </p:nvSpPr>
-        <p:spPr>
-          <a:xfrm>
-            <a:off x="4990984" y="2022061"/>
-            <a:ext cx="3976548" cy="360040"/>
-          </a:xfrm>
-          <a:prstGeom prst="rightArrow">
-            <a:avLst/>
-          </a:prstGeom>
-          <a:solidFill>
-            <a:schemeClr val="bg2">
-              <a:lumMod val="75000"/>
-            </a:schemeClr>
-          </a:solidFill>
-          <a:ln>
-            <a:noFill/>
-          </a:ln>
-        </p:spPr>
-        <p:style>
-          <a:lnRef idx="2">
-            <a:schemeClr val="accent3"/>
-          </a:lnRef>
-          <a:fillRef idx="1">
-            <a:schemeClr val="lt1"/>
-          </a:fillRef>
-          <a:effectRef idx="0">
-            <a:schemeClr val="accent3"/>
-          </a:effectRef>
-          <a:fontRef idx="minor">
-            <a:schemeClr val="dk1"/>
-          </a:fontRef>
-        </p:style>
-        <p:txBody>
-          <a:bodyPr lIns="0" rIns="0" rtlCol="0" anchor="ctr"/>
-          <a:lstStyle/>
-          <a:p>
-            <a:pPr algn="ctr"/>
-            <a:r>
-              <a:rPr lang="ko-KR" altLang="en-US" sz="900" b="1" dirty="0" err="1">
-                <a:solidFill>
-                  <a:schemeClr val="tx1"/>
-                </a:solidFill>
-                <a:latin typeface="+mj-lt"/>
-              </a:rPr>
-              <a:t>파이썬</a:t>
-            </a:r>
-            <a:r>
-              <a:rPr lang="ko-KR" altLang="en-US" sz="900" b="1" dirty="0">
-                <a:solidFill>
-                  <a:schemeClr val="tx1"/>
-                </a:solidFill>
-                <a:latin typeface="+mj-lt"/>
-              </a:rPr>
-              <a:t> 데이터 사이언스 </a:t>
-            </a:r>
-            <a:r>
-              <a:rPr lang="ko-KR" altLang="en-US" sz="900" b="1">
-                <a:solidFill>
-                  <a:schemeClr val="tx1"/>
-                </a:solidFill>
-                <a:latin typeface="+mj-lt"/>
-              </a:rPr>
-              <a:t>핸드북 </a:t>
-            </a:r>
-            <a:r>
-              <a:rPr lang="en-US" altLang="ko-KR" sz="900" b="1">
-                <a:solidFill>
-                  <a:schemeClr val="tx1"/>
-                </a:solidFill>
-                <a:latin typeface="+mj-lt"/>
-              </a:rPr>
-              <a:t>( Numpy</a:t>
-            </a:r>
-            <a:r>
-              <a:rPr lang="en-US" altLang="ko-KR" sz="900" b="1" dirty="0">
-                <a:solidFill>
-                  <a:schemeClr val="tx1"/>
-                </a:solidFill>
-                <a:latin typeface="+mj-lt"/>
-              </a:rPr>
-              <a:t>, Pandas Matplotlib &amp; </a:t>
-            </a:r>
-            <a:r>
-              <a:rPr lang="en-US" altLang="ko-KR" sz="900" b="1">
-                <a:solidFill>
-                  <a:schemeClr val="tx1"/>
-                </a:solidFill>
-                <a:latin typeface="+mj-lt"/>
-              </a:rPr>
-              <a:t>ML </a:t>
-            </a:r>
-            <a:r>
-              <a:rPr lang="ko-KR" altLang="en-US" sz="900" b="1">
-                <a:solidFill>
-                  <a:schemeClr val="tx1"/>
-                </a:solidFill>
-                <a:latin typeface="+mj-lt"/>
-              </a:rPr>
-              <a:t>기초</a:t>
-            </a:r>
-            <a:r>
-              <a:rPr lang="en-US" altLang="ko-KR" sz="900" b="1" dirty="0">
-                <a:solidFill>
-                  <a:schemeClr val="tx1"/>
-                </a:solidFill>
-                <a:latin typeface="+mj-lt"/>
-              </a:rPr>
-              <a:t>)</a:t>
-            </a:r>
-            <a:endParaRPr lang="ko-KR" altLang="en-US" sz="900" b="1" dirty="0">
-              <a:solidFill>
-                <a:schemeClr val="tx1"/>
-              </a:solidFill>
-              <a:latin typeface="+mj-lt"/>
-            </a:endParaRPr>
-          </a:p>
-        </p:txBody>
-      </p:sp>
-      <p:sp>
-        <p:nvSpPr>
-          <p:cNvPr id="44" name="TextBox 43">
-            <a:extLst>
-              <a:ext uri="{FF2B5EF4-FFF2-40B4-BE49-F238E27FC236}">
-                <a16:creationId xmlns:a16="http://schemas.microsoft.com/office/drawing/2014/main" id="{A6DEB46E-88D1-4CF2-A201-3CE204894B04}"/>
-              </a:ext>
-            </a:extLst>
-          </p:cNvPr>
-          <p:cNvSpPr txBox="1"/>
-          <p:nvPr/>
-        </p:nvSpPr>
-        <p:spPr>
-          <a:xfrm>
-            <a:off x="3116046" y="745663"/>
-            <a:ext cx="537562" cy="261610"/>
-          </a:xfrm>
-          <a:prstGeom prst="rect">
-            <a:avLst/>
-          </a:prstGeom>
-          <a:noFill/>
-        </p:spPr>
-        <p:txBody>
-          <a:bodyPr wrap="square" rtlCol="0">
-            <a:spAutoFit/>
-          </a:bodyPr>
-          <a:lstStyle/>
-          <a:p>
-            <a:pPr algn="ctr"/>
-            <a:r>
-              <a:rPr lang="en-US" altLang="ko-KR" sz="1100" dirty="0">
-                <a:latin typeface="+mj-lt"/>
-              </a:rPr>
-              <a:t>5</a:t>
-            </a:r>
-            <a:r>
-              <a:rPr lang="ko-KR" altLang="en-US" sz="1100" dirty="0">
-                <a:latin typeface="+mj-lt"/>
-              </a:rPr>
-              <a:t>주</a:t>
-            </a:r>
-          </a:p>
-        </p:txBody>
-      </p:sp>
-      <p:sp>
-        <p:nvSpPr>
-          <p:cNvPr id="46" name="TextBox 45">
-            <a:extLst>
-              <a:ext uri="{FF2B5EF4-FFF2-40B4-BE49-F238E27FC236}">
-                <a16:creationId xmlns:a16="http://schemas.microsoft.com/office/drawing/2014/main" id="{B045A86F-4D4A-415F-993B-98D0D112FB9D}"/>
-              </a:ext>
-            </a:extLst>
-          </p:cNvPr>
-          <p:cNvSpPr txBox="1"/>
-          <p:nvPr/>
-        </p:nvSpPr>
-        <p:spPr>
-          <a:xfrm>
-            <a:off x="3914723" y="745396"/>
-            <a:ext cx="537562" cy="261610"/>
-          </a:xfrm>
-          <a:prstGeom prst="rect">
-            <a:avLst/>
-          </a:prstGeom>
-          <a:noFill/>
-        </p:spPr>
-        <p:txBody>
-          <a:bodyPr wrap="square" rtlCol="0">
-            <a:spAutoFit/>
-          </a:bodyPr>
-          <a:lstStyle/>
-          <a:p>
-            <a:pPr algn="ctr"/>
-            <a:r>
-              <a:rPr lang="en-US" altLang="ko-KR" sz="1100" dirty="0">
-                <a:latin typeface="+mj-lt"/>
-              </a:rPr>
-              <a:t>6</a:t>
-            </a:r>
-            <a:r>
-              <a:rPr lang="ko-KR" altLang="en-US" sz="1100" dirty="0">
-                <a:latin typeface="+mj-lt"/>
-              </a:rPr>
-              <a:t>주</a:t>
-            </a:r>
-          </a:p>
-        </p:txBody>
-      </p:sp>
-      <p:sp>
-        <p:nvSpPr>
-          <p:cNvPr id="48" name="TextBox 47">
-            <a:extLst>
-              <a:ext uri="{FF2B5EF4-FFF2-40B4-BE49-F238E27FC236}">
-                <a16:creationId xmlns:a16="http://schemas.microsoft.com/office/drawing/2014/main" id="{4BCC2A79-964C-40FD-8925-096DD7C7FE48}"/>
-              </a:ext>
-            </a:extLst>
-          </p:cNvPr>
-          <p:cNvSpPr txBox="1"/>
-          <p:nvPr/>
-        </p:nvSpPr>
-        <p:spPr>
-          <a:xfrm>
-            <a:off x="4717492" y="746568"/>
-            <a:ext cx="537562" cy="261610"/>
-          </a:xfrm>
-          <a:prstGeom prst="rect">
-            <a:avLst/>
-          </a:prstGeom>
-          <a:noFill/>
-        </p:spPr>
-        <p:txBody>
-          <a:bodyPr wrap="square" rtlCol="0">
-            <a:spAutoFit/>
-          </a:bodyPr>
-          <a:lstStyle/>
-          <a:p>
-            <a:pPr algn="ctr"/>
-            <a:r>
-              <a:rPr lang="en-US" altLang="ko-KR" sz="1100" dirty="0">
-                <a:latin typeface="+mj-lt"/>
-              </a:rPr>
-              <a:t>7</a:t>
-            </a:r>
-            <a:r>
-              <a:rPr lang="ko-KR" altLang="en-US" sz="1100" dirty="0">
-                <a:latin typeface="+mj-lt"/>
-              </a:rPr>
-              <a:t>주</a:t>
-            </a:r>
-          </a:p>
-        </p:txBody>
-      </p:sp>
-      <p:sp>
-        <p:nvSpPr>
-          <p:cNvPr id="49" name="TextBox 48">
-            <a:extLst>
-              <a:ext uri="{FF2B5EF4-FFF2-40B4-BE49-F238E27FC236}">
-                <a16:creationId xmlns:a16="http://schemas.microsoft.com/office/drawing/2014/main" id="{A61AE610-3EAB-440A-A149-DD93B5F04B5D}"/>
-              </a:ext>
-            </a:extLst>
-          </p:cNvPr>
-          <p:cNvSpPr txBox="1"/>
-          <p:nvPr/>
-        </p:nvSpPr>
-        <p:spPr>
-          <a:xfrm>
-            <a:off x="5496885" y="750718"/>
-            <a:ext cx="537562" cy="261610"/>
-          </a:xfrm>
-          <a:prstGeom prst="rect">
-            <a:avLst/>
-          </a:prstGeom>
-          <a:noFill/>
-        </p:spPr>
-        <p:txBody>
-          <a:bodyPr wrap="square" rtlCol="0">
-            <a:spAutoFit/>
-          </a:bodyPr>
-          <a:lstStyle/>
-          <a:p>
-            <a:pPr algn="ctr"/>
-            <a:r>
-              <a:rPr lang="en-US" altLang="ko-KR" sz="1100" dirty="0">
-                <a:latin typeface="+mj-lt"/>
-              </a:rPr>
-              <a:t>8</a:t>
-            </a:r>
-            <a:r>
-              <a:rPr lang="ko-KR" altLang="en-US" sz="1100" dirty="0">
-                <a:latin typeface="+mj-lt"/>
-              </a:rPr>
-              <a:t>주</a:t>
-            </a:r>
-          </a:p>
-        </p:txBody>
-      </p:sp>
-      <p:sp>
-        <p:nvSpPr>
-          <p:cNvPr id="50" name="TextBox 49">
-            <a:extLst>
-              <a:ext uri="{FF2B5EF4-FFF2-40B4-BE49-F238E27FC236}">
-                <a16:creationId xmlns:a16="http://schemas.microsoft.com/office/drawing/2014/main" id="{8D7EEE21-156D-4CAE-A0C8-6A1BEA014B2F}"/>
-              </a:ext>
-            </a:extLst>
-          </p:cNvPr>
-          <p:cNvSpPr txBox="1"/>
-          <p:nvPr/>
-        </p:nvSpPr>
-        <p:spPr>
-          <a:xfrm>
-            <a:off x="6292410" y="754991"/>
-            <a:ext cx="537562" cy="261610"/>
-          </a:xfrm>
-          <a:prstGeom prst="rect">
-            <a:avLst/>
-          </a:prstGeom>
-          <a:noFill/>
-        </p:spPr>
-        <p:txBody>
-          <a:bodyPr wrap="square" rtlCol="0">
-            <a:spAutoFit/>
-          </a:bodyPr>
-          <a:lstStyle/>
-          <a:p>
-            <a:pPr algn="ctr"/>
-            <a:r>
-              <a:rPr lang="en-US" altLang="ko-KR" sz="1100" dirty="0">
-                <a:latin typeface="+mj-lt"/>
-              </a:rPr>
-              <a:t>9</a:t>
-            </a:r>
-            <a:r>
-              <a:rPr lang="ko-KR" altLang="en-US" sz="1100" dirty="0">
-                <a:latin typeface="+mj-lt"/>
-              </a:rPr>
-              <a:t>주</a:t>
-            </a:r>
-          </a:p>
-        </p:txBody>
-      </p:sp>
-      <p:sp>
-        <p:nvSpPr>
-          <p:cNvPr id="51" name="TextBox 50">
-            <a:extLst>
-              <a:ext uri="{FF2B5EF4-FFF2-40B4-BE49-F238E27FC236}">
-                <a16:creationId xmlns:a16="http://schemas.microsoft.com/office/drawing/2014/main" id="{AF90063E-926E-4A4D-97A4-413C716BC466}"/>
-              </a:ext>
-            </a:extLst>
-          </p:cNvPr>
-          <p:cNvSpPr txBox="1"/>
-          <p:nvPr/>
-        </p:nvSpPr>
-        <p:spPr>
-          <a:xfrm>
-            <a:off x="7071803" y="748467"/>
-            <a:ext cx="537562" cy="261610"/>
-          </a:xfrm>
-          <a:prstGeom prst="rect">
-            <a:avLst/>
-          </a:prstGeom>
-          <a:noFill/>
-        </p:spPr>
-        <p:txBody>
-          <a:bodyPr wrap="square" rtlCol="0">
-            <a:spAutoFit/>
-          </a:bodyPr>
-          <a:lstStyle/>
-          <a:p>
-            <a:pPr algn="ctr"/>
-            <a:r>
-              <a:rPr lang="en-US" altLang="ko-KR" sz="1100" dirty="0">
-                <a:latin typeface="+mj-lt"/>
-              </a:rPr>
-              <a:t>10</a:t>
-            </a:r>
-            <a:r>
-              <a:rPr lang="ko-KR" altLang="en-US" sz="1100" dirty="0">
-                <a:latin typeface="+mj-lt"/>
-              </a:rPr>
-              <a:t>주</a:t>
-            </a:r>
-          </a:p>
-        </p:txBody>
-      </p:sp>
-      <p:sp>
-        <p:nvSpPr>
-          <p:cNvPr id="52" name="TextBox 51">
-            <a:extLst>
-              <a:ext uri="{FF2B5EF4-FFF2-40B4-BE49-F238E27FC236}">
-                <a16:creationId xmlns:a16="http://schemas.microsoft.com/office/drawing/2014/main" id="{CE823F76-B0C7-467E-9029-08F4B0A79C4A}"/>
-              </a:ext>
-            </a:extLst>
-          </p:cNvPr>
-          <p:cNvSpPr txBox="1"/>
-          <p:nvPr/>
-        </p:nvSpPr>
-        <p:spPr>
-          <a:xfrm>
-            <a:off x="7881582" y="751961"/>
-            <a:ext cx="537562" cy="261610"/>
-          </a:xfrm>
-          <a:prstGeom prst="rect">
-            <a:avLst/>
-          </a:prstGeom>
-          <a:noFill/>
-        </p:spPr>
-        <p:txBody>
-          <a:bodyPr wrap="square" rtlCol="0">
-            <a:spAutoFit/>
-          </a:bodyPr>
-          <a:lstStyle/>
-          <a:p>
-            <a:pPr algn="ctr"/>
-            <a:r>
-              <a:rPr lang="en-US" altLang="ko-KR" sz="1100" dirty="0">
-                <a:latin typeface="+mj-lt"/>
-              </a:rPr>
-              <a:t>11</a:t>
-            </a:r>
-            <a:r>
-              <a:rPr lang="ko-KR" altLang="en-US" sz="1100" dirty="0">
-                <a:latin typeface="+mj-lt"/>
-              </a:rPr>
-              <a:t>주</a:t>
-            </a:r>
-          </a:p>
-        </p:txBody>
-      </p:sp>
-      <p:sp>
-        <p:nvSpPr>
-          <p:cNvPr id="53" name="TextBox 52">
-            <a:extLst>
-              <a:ext uri="{FF2B5EF4-FFF2-40B4-BE49-F238E27FC236}">
-                <a16:creationId xmlns:a16="http://schemas.microsoft.com/office/drawing/2014/main" id="{C5CA9136-8835-4031-B10D-62EE5FDF2164}"/>
-              </a:ext>
-            </a:extLst>
-          </p:cNvPr>
-          <p:cNvSpPr txBox="1"/>
-          <p:nvPr/>
-        </p:nvSpPr>
-        <p:spPr>
-          <a:xfrm>
-            <a:off x="8675295" y="754991"/>
-            <a:ext cx="537562" cy="261610"/>
-          </a:xfrm>
-          <a:prstGeom prst="rect">
-            <a:avLst/>
-          </a:prstGeom>
-          <a:noFill/>
-        </p:spPr>
-        <p:txBody>
-          <a:bodyPr wrap="square" rtlCol="0">
-            <a:spAutoFit/>
-          </a:bodyPr>
-          <a:lstStyle/>
-          <a:p>
-            <a:pPr algn="ctr"/>
-            <a:r>
-              <a:rPr lang="en-US" altLang="ko-KR" sz="1100" dirty="0">
-                <a:latin typeface="+mj-lt"/>
-              </a:rPr>
-              <a:t>12</a:t>
-            </a:r>
-            <a:r>
-              <a:rPr lang="ko-KR" altLang="en-US" sz="1100" dirty="0">
-                <a:latin typeface="+mj-lt"/>
-              </a:rPr>
-              <a:t>주</a:t>
+              <a:t> 모델 금융 시장 적용</a:t>
             </a:r>
           </a:p>
         </p:txBody>
@@ -7830,16 +7261,20 @@
               <a:t>– </a:t>
             </a:r>
             <a:r>
+              <a:rPr lang="ko-KR" altLang="en-US" sz="2700" b="1" dirty="0" err="1"/>
+              <a:t>텐서플로</a:t>
+            </a:r>
+            <a:r>
               <a:rPr lang="ko-KR" altLang="en-US" sz="2700" b="1" dirty="0"/>
-              <a:t>밑바닥 부터 시작하는 </a:t>
+              <a:t> </a:t>
             </a:r>
             <a:r>
               <a:rPr lang="ko-KR" altLang="en-US" sz="2700" b="1" dirty="0" err="1"/>
               <a:t>딥러닝</a:t>
             </a:r>
             <a:r>
-              <a:rPr lang="en-US" altLang="ko-KR" sz="2700" b="1" dirty="0"/>
-              <a:t> </a:t>
+              <a:rPr lang="ko-KR" altLang="en-US" sz="2700" b="1" dirty="0"/>
+              <a:t> 프로젝트</a:t>
             </a:r>
             <a:br>
               <a:rPr lang="en-US" altLang="ko-KR" sz="3600" b="1" dirty="0"/>
@@ -7883,8 +7318,17 @@
             </a:r>
             <a:r>
               <a:rPr lang="en-US" altLang="ko-KR" sz="2000" dirty="0"/>
-              <a:t>: Chapter 1,2: Hello python &amp; Perceptron</a:t>
-            </a:r>
+              <a:t>: </a:t>
+            </a:r>
+            <a:r>
+              <a:rPr lang="ko-KR" altLang="en-US" dirty="0" err="1"/>
+              <a:t>컨볼루션</a:t>
+            </a:r>
+            <a:r>
+              <a:rPr lang="ko-KR" altLang="en-US" dirty="0"/>
+              <a:t> 신경망을 활용한 교통 표지판 인식 </a:t>
+            </a:r>
+            <a:endParaRPr lang="en-US" altLang="ko-KR" sz="2000" dirty="0"/>
           </a:p>
           <a:p>
             <a:pPr marL="342900" lvl="1" indent="0">
@@ -7900,8 +7344,17 @@
             </a:r>
             <a:r>
               <a:rPr lang="en-US" altLang="ko-KR" sz="2000" dirty="0"/>
-              <a:t>: Chapter 3: Neural Network</a:t>
-            </a:r>
+              <a:t>: </a:t>
+            </a:r>
+            <a:r>
+              <a:rPr lang="en-US" altLang="ko-KR" dirty="0"/>
+              <a:t>Object Detection API</a:t>
+            </a:r>
+            <a:r>
+              <a:rPr lang="ko-KR" altLang="en-US" dirty="0"/>
+              <a:t>를 활용해 이미지에 주석 달기 </a:t>
+            </a:r>
+            <a:endParaRPr lang="en-US" altLang="ko-KR" sz="2000" dirty="0"/>
           </a:p>
           <a:p>
             <a:pPr marL="342900" lvl="1" indent="0">
@@ -7917,8 +7370,13 @@
             </a:r>
             <a:r>
               <a:rPr lang="en-US" altLang="ko-KR" sz="2000" dirty="0"/>
-              <a:t>: Chapter 4: Learning Neural Network</a:t>
-            </a:r>
+              <a:t>: </a:t>
+            </a:r>
+            <a:r>
+              <a:rPr lang="ko-KR" altLang="en-US" dirty="0"/>
+              <a:t>이미지 캡션 생성 </a:t>
+            </a:r>
+            <a:endParaRPr lang="en-US" altLang="ko-KR" sz="2000" dirty="0"/>
           </a:p>
           <a:p>
             <a:pPr marL="342900" lvl="1" indent="0">
@@ -7934,8 +7392,21 @@
             </a:r>
             <a:r>
               <a:rPr lang="en-US" altLang="ko-KR" sz="2000" dirty="0"/>
-              <a:t>: Chapter 5: Backpropagation</a:t>
-            </a:r>
+              <a:t>: </a:t>
+            </a:r>
+            <a:r>
+              <a:rPr lang="ko-KR" altLang="en-US" dirty="0"/>
+              <a:t>조건부 이미지 생성을 위한 </a:t>
+            </a:r>
+            <a:r>
+              <a:rPr lang="en-US" altLang="ko-KR" dirty="0"/>
+              <a:t>GAN </a:t>
+            </a:r>
+            <a:r>
+              <a:rPr lang="ko-KR" altLang="en-US" dirty="0"/>
+              <a:t>구축</a:t>
+            </a:r>
+            <a:endParaRPr lang="en-US" altLang="ko-KR" sz="2000" dirty="0"/>
           </a:p>
           <a:p>
             <a:pPr marL="342900" lvl="1" indent="0">
@@ -7951,8 +7422,17 @@
             </a:r>
             <a:r>
               <a:rPr lang="en-US" altLang="ko-KR" sz="2000" dirty="0"/>
-              <a:t>: Chapter 6: Learning Skills</a:t>
-            </a:r>
+              <a:t>: </a:t>
+            </a:r>
+            <a:r>
+              <a:rPr lang="en-US" altLang="ko-KR" dirty="0"/>
+              <a:t>LSTM</a:t>
+            </a:r>
+            <a:r>
+              <a:rPr lang="ko-KR" altLang="en-US" dirty="0"/>
+              <a:t>을 이용한 주가 예측 </a:t>
+            </a:r>
+            <a:endParaRPr lang="en-US" altLang="ko-KR" sz="2000" dirty="0"/>
           </a:p>
           <a:p>
             <a:pPr marL="342900" lvl="1" indent="0">
@@ -7968,8 +7448,13 @@
             </a:r>
             <a:r>
               <a:rPr lang="en-US" altLang="ko-KR" sz="2000" dirty="0"/>
-              <a:t>: Chapter 7: Convolution Neural Network</a:t>
-            </a:r>
+              <a:t>: </a:t>
+            </a:r>
+            <a:r>
+              <a:rPr lang="ko-KR" altLang="en-US" dirty="0"/>
+              <a:t>기계 번역 시스템 구축과 훈련 </a:t>
+            </a:r>
+            <a:endParaRPr lang="en-US" altLang="ko-KR" sz="2000" dirty="0"/>
           </a:p>
           <a:p>
             <a:pPr marL="342900" lvl="1" indent="0">
@@ -7985,8 +7470,97 @@
             </a:r>
             <a:r>
               <a:rPr lang="en-US" altLang="ko-KR" sz="2000" dirty="0"/>
-              <a:t>: Chapter 8: Deep Learning</a:t>
-            </a:r>
+              <a:t>: </a:t>
+            </a:r>
+            <a:r>
+              <a:rPr lang="ko-KR" altLang="en-US" dirty="0"/>
+              <a:t>사람처럼 의견을 나눌 수 있는 </a:t>
+            </a:r>
+            <a:r>
+              <a:rPr lang="ko-KR" altLang="en-US" dirty="0" err="1"/>
+              <a:t>챗봇의</a:t>
+            </a:r>
+            <a:r>
+              <a:rPr lang="ko-KR" altLang="en-US" dirty="0"/>
+              <a:t> 훈련과 구축 </a:t>
+            </a:r>
+            <a:endParaRPr lang="en-US" altLang="ko-KR" dirty="0"/>
+          </a:p>
+          <a:p>
+            <a:pPr marL="342900" lvl="1" indent="0">
+              <a:buNone/>
+            </a:pPr>
+            <a:r>
+              <a:rPr lang="en-US" altLang="ko-KR" sz="2000" dirty="0"/>
+              <a:t>8</a:t>
+            </a:r>
+            <a:r>
+              <a:rPr lang="ko-KR" altLang="en-US" sz="2000" dirty="0"/>
+              <a:t>주차 </a:t>
+            </a:r>
+            <a:r>
+              <a:rPr lang="en-US" altLang="ko-KR" sz="2000" dirty="0"/>
+              <a:t>: </a:t>
+            </a:r>
+            <a:r>
+              <a:rPr lang="ko-KR" altLang="en-US" dirty="0"/>
+              <a:t>중복된 쿼리 질문 탐지하기 </a:t>
+            </a:r>
+            <a:endParaRPr lang="en-US" altLang="ko-KR" sz="2000" dirty="0"/>
+          </a:p>
+          <a:p>
+            <a:pPr marL="342900" lvl="1" indent="0">
+              <a:buNone/>
+            </a:pPr>
+            <a:r>
+              <a:rPr lang="en-US" altLang="ko-KR" sz="2000" dirty="0"/>
+              <a:t>9</a:t>
+            </a:r>
+            <a:r>
+              <a:rPr lang="ko-KR" altLang="en-US" sz="2000" dirty="0"/>
+              <a:t>주차 </a:t>
+            </a:r>
+            <a:r>
+              <a:rPr lang="en-US" altLang="ko-KR" sz="2000" dirty="0"/>
+              <a:t>: </a:t>
+            </a:r>
+            <a:r>
+              <a:rPr lang="ko-KR" altLang="en-US" dirty="0" err="1"/>
+              <a:t>텐서플로</a:t>
+            </a:r>
+            <a:r>
+              <a:rPr lang="ko-KR" altLang="en-US" dirty="0"/>
+              <a:t> 추천 시스템 구축 </a:t>
+            </a:r>
+            <a:endParaRPr lang="en-US" altLang="ko-KR" dirty="0"/>
+          </a:p>
+          <a:p>
+            <a:pPr marL="342900" lvl="1" indent="0">
+              <a:buNone/>
+            </a:pPr>
+            <a:r>
+              <a:rPr lang="en-US" altLang="ko-KR" sz="2000" dirty="0"/>
+              <a:t>10</a:t>
+            </a:r>
+            <a:r>
+              <a:rPr lang="ko-KR" altLang="en-US" sz="2000" dirty="0"/>
+              <a:t>주차 </a:t>
+            </a:r>
+            <a:r>
+              <a:rPr lang="en-US" altLang="ko-KR" sz="2000" dirty="0"/>
+              <a:t>: </a:t>
+            </a:r>
+            <a:r>
+              <a:rPr lang="ko-KR" altLang="en-US" dirty="0"/>
+              <a:t>강화학습으로 비디오 게임하기 </a:t>
+            </a:r>
+            <a:endParaRPr lang="en-US" altLang="ko-KR" sz="2000" dirty="0"/>
+          </a:p>
+          <a:p>
+            <a:pPr marL="342900" lvl="1" indent="0">
+              <a:buNone/>
+            </a:pPr>
+            <a:endParaRPr lang="en-US" altLang="ko-KR" sz="2000" dirty="0"/>
           </a:p>
           <a:p>
             <a:pPr marL="342900" lvl="1" indent="0">
@@ -8066,16 +7640,9 @@
               <a:t>– </a:t>
             </a:r>
             <a:r>
-              <a:rPr lang="ko-KR" altLang="en-US" sz="2400" b="1" dirty="0" err="1"/>
-              <a:t>파이썬</a:t>
-            </a:r>
-            <a:r>
-              <a:rPr lang="ko-KR" altLang="en-US" sz="2400" b="1" dirty="0"/>
-              <a:t> 데이터 사이언스 핸드북</a:t>
-            </a:r>
-            <a:br>
-              <a:rPr lang="en-US" altLang="ko-KR" sz="3600" dirty="0"/>
-            </a:br>
+              <a:rPr lang="en-US" altLang="ko-KR" sz="2400" b="1" dirty="0"/>
+              <a:t>Deep learning with long short-term memory networks for financial</a:t>
+            </a:r>
             <a:endParaRPr lang="ko-KR" altLang="en-US" dirty="0"/>
           </a:p>
         </p:txBody>
@@ -8106,122 +7673,35 @@
               <a:buNone/>
             </a:pPr>
             <a:r>
+              <a:rPr lang="ko-KR" altLang="en-US" sz="2000" dirty="0"/>
+              <a:t>논문 이해하기 </a:t>
+            </a:r>
+            <a:r>
               <a:rPr lang="en-US" altLang="ko-KR" sz="2000" dirty="0"/>
-              <a:t>8</a:t>
+              <a:t>~3</a:t>
+            </a:r>
+            <a:r>
+              <a:rPr lang="ko-KR" altLang="en-US" sz="2000" dirty="0"/>
+              <a:t>주차</a:t>
+            </a:r>
+            <a:endParaRPr lang="en-US" altLang="ko-KR" sz="2000" dirty="0"/>
+          </a:p>
+          <a:p>
+            <a:pPr marL="342900" lvl="1" indent="0">
+              <a:buNone/>
+            </a:pPr>
+            <a:r>
+              <a:rPr lang="ko-KR" altLang="en-US" sz="2000" dirty="0"/>
+              <a:t>논문에 아이디어 추가 및 모델 생성 </a:t>
+            </a:r>
+            <a:r>
+              <a:rPr lang="en-US" altLang="ko-KR" sz="2000" dirty="0"/>
+              <a:t>~6</a:t>
             </a:r>
             <a:r>
               <a:rPr lang="ko-KR" altLang="en-US" sz="2000" dirty="0"/>
               <a:t>주차 </a:t>
             </a:r>
-            <a:r>
-              <a:rPr lang="en-US" altLang="ko-KR" sz="2000" dirty="0"/>
-              <a:t>: Chapter 2: </a:t>
-            </a:r>
-            <a:r>
-              <a:rPr lang="en-US" altLang="ko-KR" sz="2000" dirty="0" err="1"/>
-              <a:t>Numpy</a:t>
-            </a:r>
-            <a:endParaRPr lang="en-US" altLang="ko-KR" sz="2000" dirty="0"/>
-          </a:p>
-          <a:p>
-            <a:pPr marL="342900" lvl="1" indent="0">
-              <a:buNone/>
-            </a:pPr>
-            <a:r>
-              <a:rPr lang="en-US" altLang="ko-KR" sz="2000" dirty="0"/>
-              <a:t>9</a:t>
-            </a:r>
-            <a:r>
-              <a:rPr lang="ko-KR" altLang="en-US" sz="2000" dirty="0"/>
-              <a:t>주차 </a:t>
-            </a:r>
-            <a:r>
-              <a:rPr lang="en-US" altLang="ko-KR" sz="2000" dirty="0"/>
-              <a:t>: Chapter 2: </a:t>
-            </a:r>
-            <a:r>
-              <a:rPr lang="en-US" altLang="ko-KR" sz="2000" dirty="0" err="1"/>
-              <a:t>Numpy</a:t>
-            </a:r>
-            <a:endParaRPr lang="en-US" altLang="ko-KR" sz="2000" dirty="0"/>
-          </a:p>
-          <a:p>
-            <a:pPr marL="342900" lvl="1" indent="0">
-              <a:buNone/>
-            </a:pPr>
-            <a:r>
-              <a:rPr lang="en-US" altLang="ko-KR" sz="2000" dirty="0"/>
-              <a:t>10</a:t>
-            </a:r>
-            <a:r>
-              <a:rPr lang="ko-KR" altLang="en-US" sz="2000" dirty="0"/>
-              <a:t>주차 </a:t>
-            </a:r>
-            <a:r>
-              <a:rPr lang="en-US" altLang="ko-KR" sz="2000" dirty="0"/>
-              <a:t>: Chapter 3: </a:t>
-            </a:r>
-            <a:r>
-              <a:rPr lang="en-US" altLang="ko-KR" dirty="0"/>
-              <a:t>Pandas</a:t>
-            </a:r>
-            <a:endParaRPr lang="en-US" altLang="ko-KR" sz="2000" dirty="0"/>
-          </a:p>
-          <a:p>
-            <a:pPr marL="342900" lvl="1" indent="0">
-              <a:buNone/>
-            </a:pPr>
-            <a:r>
-              <a:rPr lang="en-US" altLang="ko-KR" sz="2000" dirty="0"/>
-              <a:t>11</a:t>
-            </a:r>
-            <a:r>
-              <a:rPr lang="ko-KR" altLang="en-US" sz="2000" dirty="0"/>
-              <a:t>주차 </a:t>
-            </a:r>
-            <a:r>
-              <a:rPr lang="en-US" altLang="ko-KR" sz="2000" dirty="0"/>
-              <a:t>: Chapter 3: Pandas</a:t>
-            </a:r>
-          </a:p>
-          <a:p>
-            <a:pPr marL="342900" lvl="1" indent="0">
-              <a:buNone/>
-            </a:pPr>
-            <a:r>
-              <a:rPr lang="en-US" altLang="ko-KR" sz="2000" dirty="0"/>
-              <a:t>12</a:t>
-            </a:r>
-            <a:r>
-              <a:rPr lang="ko-KR" altLang="en-US" sz="2000" dirty="0"/>
-              <a:t>주차 </a:t>
-            </a:r>
-            <a:r>
-              <a:rPr lang="en-US" altLang="ko-KR" sz="2000" dirty="0"/>
-              <a:t>: Chapter 4: Matplotlib</a:t>
-            </a:r>
-          </a:p>
-          <a:p>
-            <a:pPr marL="342900" lvl="1" indent="0">
-              <a:buNone/>
-            </a:pPr>
-            <a:r>
-              <a:rPr lang="en-US" altLang="ko-KR" sz="2000" dirty="0"/>
-              <a:t>13</a:t>
-            </a:r>
-            <a:r>
-              <a:rPr lang="ko-KR" altLang="en-US" sz="2000" dirty="0"/>
-              <a:t>주차 </a:t>
-            </a:r>
-            <a:r>
-              <a:rPr lang="en-US" altLang="ko-KR" sz="2000" dirty="0"/>
-              <a:t>: Chapter 4: Matplotlib</a:t>
-            </a:r>
-          </a:p>
-          <a:p>
-            <a:pPr marL="342900" lvl="1" indent="0">
-              <a:buNone/>
-            </a:pPr>
             <a:endParaRPr lang="en-US" altLang="ko-KR" sz="2000" dirty="0"/>
           </a:p>
           <a:p>
@@ -8341,6 +7821,236 @@
     <p:extLst>
       <p:ext uri="{BB962C8B-B14F-4D97-AF65-F5344CB8AC3E}">
         <p14:creationId xmlns:p14="http://schemas.microsoft.com/office/powerpoint/2010/main" val="942803107"/>
+      </p:ext>
+    </p:extLst>
+  </p:cSld>
+  <p:clrMapOvr>
+    <a:masterClrMapping/>
+  </p:clrMapOvr>
+</p:sld>
+</file>
+
+<file path=ppt/slides/slide6.xml><?xml version="1.0" encoding="utf-8"?>
+<p:sld xmlns:a="http://schemas.openxmlformats.org/drawingml/2006/main" xmlns:r="http://schemas.openxmlformats.org/officeDocument/2006/relationships" xmlns:p="http://schemas.openxmlformats.org/presentationml/2006/main">
+  <p:cSld>
+    <p:spTree>
+      <p:nvGrpSpPr>
+        <p:cNvPr id="1" name=""/>
+        <p:cNvGrpSpPr/>
+        <p:nvPr/>
+      </p:nvGrpSpPr>
+      <p:grpSpPr>
+        <a:xfrm>
+          <a:off x="0" y="0"/>
+          <a:ext cx="0" cy="0"/>
+          <a:chOff x="0" y="0"/>
+          <a:chExt cx="0" cy="0"/>
+        </a:xfrm>
+      </p:grpSpPr>
+      <p:sp>
+        <p:nvSpPr>
+          <p:cNvPr id="2" name="제목 1"/>
+          <p:cNvSpPr>
+            <a:spLocks noGrp="1"/>
+          </p:cNvSpPr>
+          <p:nvPr>
+            <p:ph type="title"/>
+          </p:nvPr>
+        </p:nvSpPr>
+        <p:spPr>
+          <a:xfrm>
+            <a:off x="683568" y="-171400"/>
+            <a:ext cx="7886700" cy="1325563"/>
+          </a:xfrm>
+        </p:spPr>
+        <p:txBody>
+          <a:bodyPr>
+            <a:normAutofit/>
+          </a:bodyPr>
+          <a:lstStyle/>
+          <a:p>
+            <a:r>
+              <a:rPr lang="ko-KR" altLang="en-US" sz="2400" dirty="0"/>
+              <a:t>방학 세부 일정 </a:t>
+            </a:r>
+            <a:r>
+              <a:rPr lang="en-US" altLang="ko-KR" sz="2400" dirty="0"/>
+              <a:t>– </a:t>
+            </a:r>
+            <a:r>
+              <a:rPr lang="ko-KR" altLang="en-US" sz="2400" b="1" dirty="0" err="1"/>
+              <a:t>파이썬</a:t>
+            </a:r>
+            <a:r>
+              <a:rPr lang="ko-KR" altLang="en-US" sz="2400" b="1" dirty="0"/>
+              <a:t> 데이터 사이언스 핸드북</a:t>
+            </a:r>
+            <a:br>
+              <a:rPr lang="en-US" altLang="ko-KR" sz="3600" dirty="0"/>
+            </a:br>
+            <a:endParaRPr lang="ko-KR" altLang="en-US" dirty="0"/>
+          </a:p>
+        </p:txBody>
+      </p:sp>
+      <p:sp>
+        <p:nvSpPr>
+          <p:cNvPr id="3" name="내용 개체 틀 2"/>
+          <p:cNvSpPr>
+            <a:spLocks noGrp="1"/>
+          </p:cNvSpPr>
+          <p:nvPr>
+            <p:ph idx="1"/>
+          </p:nvPr>
+        </p:nvSpPr>
+        <p:spPr>
+          <a:xfrm>
+            <a:off x="467544" y="1170187"/>
+            <a:ext cx="7886700" cy="4351338"/>
+          </a:xfrm>
+        </p:spPr>
+        <p:txBody>
+          <a:bodyPr>
+            <a:normAutofit/>
+          </a:bodyPr>
+          <a:lstStyle/>
+          <a:p>
+            <a:pPr marL="342900" lvl="1" indent="0">
+              <a:buNone/>
+            </a:pPr>
+            <a:r>
+              <a:rPr lang="en-US" altLang="ko-KR" sz="2000" dirty="0"/>
+              <a:t>8</a:t>
+            </a:r>
+            <a:r>
+              <a:rPr lang="ko-KR" altLang="en-US" sz="2000" dirty="0"/>
+              <a:t>주차 </a:t>
+            </a:r>
+            <a:r>
+              <a:rPr lang="en-US" altLang="ko-KR" sz="2000" dirty="0"/>
+              <a:t>: Chapter 2: </a:t>
+            </a:r>
+            <a:r>
+              <a:rPr lang="en-US" altLang="ko-KR" sz="2000" dirty="0" err="1"/>
+              <a:t>Numpy</a:t>
+            </a:r>
+            <a:endParaRPr lang="en-US" altLang="ko-KR" sz="2000" dirty="0"/>
+          </a:p>
+          <a:p>
+            <a:pPr marL="342900" lvl="1" indent="0">
+              <a:buNone/>
+            </a:pPr>
+            <a:r>
+              <a:rPr lang="en-US" altLang="ko-KR" sz="2000" dirty="0"/>
+              <a:t>9</a:t>
+            </a:r>
+            <a:r>
+              <a:rPr lang="ko-KR" altLang="en-US" sz="2000" dirty="0"/>
+              <a:t>주차 </a:t>
+            </a:r>
+            <a:r>
+              <a:rPr lang="en-US" altLang="ko-KR" sz="2000" dirty="0"/>
+              <a:t>: Chapter 2: </a:t>
+            </a:r>
+            <a:r>
+              <a:rPr lang="en-US" altLang="ko-KR" sz="2000" dirty="0" err="1"/>
+              <a:t>Numpy</a:t>
+            </a:r>
+            <a:endParaRPr lang="en-US" altLang="ko-KR" sz="2000" dirty="0"/>
+          </a:p>
+          <a:p>
+            <a:pPr marL="342900" lvl="1" indent="0">
+              <a:buNone/>
+            </a:pPr>
+            <a:r>
+              <a:rPr lang="en-US" altLang="ko-KR" sz="2000" dirty="0"/>
+              <a:t>10</a:t>
+            </a:r>
+            <a:r>
+              <a:rPr lang="ko-KR" altLang="en-US" sz="2000" dirty="0"/>
+              <a:t>주차 </a:t>
+            </a:r>
+            <a:r>
+              <a:rPr lang="en-US" altLang="ko-KR" sz="2000" dirty="0"/>
+              <a:t>: Chapter 3: </a:t>
+            </a:r>
+            <a:r>
+              <a:rPr lang="en-US" altLang="ko-KR" dirty="0"/>
+              <a:t>Pandas</a:t>
+            </a:r>
+            <a:endParaRPr lang="en-US" altLang="ko-KR" sz="2000" dirty="0"/>
+          </a:p>
+          <a:p>
+            <a:pPr marL="342900" lvl="1" indent="0">
+              <a:buNone/>
+            </a:pPr>
+            <a:r>
+              <a:rPr lang="en-US" altLang="ko-KR" sz="2000" dirty="0"/>
+              <a:t>11</a:t>
+            </a:r>
+            <a:r>
+              <a:rPr lang="ko-KR" altLang="en-US" sz="2000" dirty="0"/>
+              <a:t>주차 </a:t>
+            </a:r>
+            <a:r>
+              <a:rPr lang="en-US" altLang="ko-KR" sz="2000" dirty="0"/>
+              <a:t>: Chapter 3: Pandas</a:t>
+            </a:r>
+          </a:p>
+          <a:p>
+            <a:pPr marL="342900" lvl="1" indent="0">
+              <a:buNone/>
+            </a:pPr>
+            <a:r>
+              <a:rPr lang="en-US" altLang="ko-KR" sz="2000" dirty="0"/>
+              <a:t>12</a:t>
+            </a:r>
+            <a:r>
+              <a:rPr lang="ko-KR" altLang="en-US" sz="2000" dirty="0"/>
+              <a:t>주차 </a:t>
+            </a:r>
+            <a:r>
+              <a:rPr lang="en-US" altLang="ko-KR" sz="2000" dirty="0"/>
+              <a:t>: Chapter 4: Matplotlib</a:t>
+            </a:r>
+          </a:p>
+          <a:p>
+            <a:pPr marL="342900" lvl="1" indent="0">
+              <a:buNone/>
+            </a:pPr>
+            <a:r>
+              <a:rPr lang="en-US" altLang="ko-KR" sz="2000" dirty="0"/>
+              <a:t>13</a:t>
+            </a:r>
+            <a:r>
+              <a:rPr lang="ko-KR" altLang="en-US" sz="2000" dirty="0"/>
+              <a:t>주차 </a:t>
+            </a:r>
+            <a:r>
+              <a:rPr lang="en-US" altLang="ko-KR" sz="2000" dirty="0"/>
+              <a:t>: Chapter 4: Matplotlib</a:t>
+            </a:r>
+          </a:p>
+          <a:p>
+            <a:pPr marL="342900" lvl="1" indent="0">
+              <a:buNone/>
+            </a:pPr>
+            <a:endParaRPr lang="en-US" altLang="ko-KR" sz="2000" dirty="0"/>
+          </a:p>
+          <a:p>
+            <a:pPr marL="342900" lvl="1" indent="0">
+              <a:buNone/>
+            </a:pPr>
+            <a:r>
+              <a:rPr lang="en-US" altLang="ko-KR" sz="2000" dirty="0"/>
+              <a:t>	</a:t>
+            </a:r>
+          </a:p>
+        </p:txBody>
+      </p:sp>
+    </p:spTree>
+    <p:extLst>
+      <p:ext uri="{BB962C8B-B14F-4D97-AF65-F5344CB8AC3E}">
+        <p14:creationId xmlns:p14="http://schemas.microsoft.com/office/powerpoint/2010/main" val="105172241"/>
       </p:ext>
     </p:extLst>
   </p:cSld>
